--- a/CSCI 5423 Project Presentation.pptx
+++ b/CSCI 5423 Project Presentation.pptx
@@ -829,7 +829,7 @@
   <p:cSld>
     <p:spTree>
       <p:nvGrpSpPr>
-        <p:cNvPr id="196" name="Shape 196"/>
+        <p:cNvPr id="197" name="Shape 197"/>
         <p:cNvGrpSpPr/>
         <p:nvPr/>
       </p:nvGrpSpPr>
@@ -843,7 +843,7 @@
       </p:grpSpPr>
       <p:sp>
         <p:nvSpPr>
-          <p:cNvPr id="197" name="Google Shape;197;g2146cf5e0ad_0_85:notes"/>
+          <p:cNvPr id="198" name="Google Shape;198;g2146cf5e0ad_0_85:notes"/>
           <p:cNvSpPr/>
           <p:nvPr>
             <p:ph idx="2" type="sldImg"/>
@@ -878,7 +878,7 @@
       </p:sp>
       <p:sp>
         <p:nvSpPr>
-          <p:cNvPr id="198" name="Google Shape;198;g2146cf5e0ad_0_85:notes"/>
+          <p:cNvPr id="199" name="Google Shape;199;g2146cf5e0ad_0_85:notes"/>
           <p:cNvSpPr txBox="1"/>
           <p:nvPr>
             <p:ph idx="1" type="body"/>
@@ -1048,7 +1048,7 @@
   <p:cSld>
     <p:spTree>
       <p:nvGrpSpPr>
-        <p:cNvPr id="207" name="Shape 207"/>
+        <p:cNvPr id="208" name="Shape 208"/>
         <p:cNvGrpSpPr/>
         <p:nvPr/>
       </p:nvGrpSpPr>
@@ -1062,7 +1062,7 @@
       </p:grpSpPr>
       <p:sp>
         <p:nvSpPr>
-          <p:cNvPr id="208" name="Google Shape;208;g2146cf5e0ad_0_90:notes"/>
+          <p:cNvPr id="209" name="Google Shape;209;g2146cf5e0ad_0_90:notes"/>
           <p:cNvSpPr/>
           <p:nvPr>
             <p:ph idx="2" type="sldImg"/>
@@ -1097,7 +1097,7 @@
       </p:sp>
       <p:sp>
         <p:nvSpPr>
-          <p:cNvPr id="209" name="Google Shape;209;g2146cf5e0ad_0_90:notes"/>
+          <p:cNvPr id="210" name="Google Shape;210;g2146cf5e0ad_0_90:notes"/>
           <p:cNvSpPr txBox="1"/>
           <p:nvPr>
             <p:ph idx="1" type="body"/>
@@ -1296,7 +1296,7 @@
   <p:cSld>
     <p:spTree>
       <p:nvGrpSpPr>
-        <p:cNvPr id="218" name="Shape 218"/>
+        <p:cNvPr id="219" name="Shape 219"/>
         <p:cNvGrpSpPr/>
         <p:nvPr/>
       </p:nvGrpSpPr>
@@ -1310,7 +1310,7 @@
       </p:grpSpPr>
       <p:sp>
         <p:nvSpPr>
-          <p:cNvPr id="219" name="Google Shape;219;g22d6900f53a_0_61:notes"/>
+          <p:cNvPr id="220" name="Google Shape;220;g22d6900f53a_0_61:notes"/>
           <p:cNvSpPr/>
           <p:nvPr>
             <p:ph idx="2" type="sldImg"/>
@@ -1345,7 +1345,7 @@
       </p:sp>
       <p:sp>
         <p:nvSpPr>
-          <p:cNvPr id="220" name="Google Shape;220;g22d6900f53a_0_61:notes"/>
+          <p:cNvPr id="221" name="Google Shape;221;g22d6900f53a_0_61:notes"/>
           <p:cNvSpPr txBox="1"/>
           <p:nvPr>
             <p:ph idx="1" type="body"/>
@@ -1531,7 +1531,7 @@
   <p:cSld>
     <p:spTree>
       <p:nvGrpSpPr>
-        <p:cNvPr id="229" name="Shape 229"/>
+        <p:cNvPr id="230" name="Shape 230"/>
         <p:cNvGrpSpPr/>
         <p:nvPr/>
       </p:nvGrpSpPr>
@@ -1545,7 +1545,7 @@
       </p:grpSpPr>
       <p:sp>
         <p:nvSpPr>
-          <p:cNvPr id="230" name="Google Shape;230;g22d6900f53a_0_53:notes"/>
+          <p:cNvPr id="231" name="Google Shape;231;g22d6900f53a_0_53:notes"/>
           <p:cNvSpPr/>
           <p:nvPr>
             <p:ph idx="2" type="sldImg"/>
@@ -1580,7 +1580,7 @@
       </p:sp>
       <p:sp>
         <p:nvSpPr>
-          <p:cNvPr id="231" name="Google Shape;231;g22d6900f53a_0_53:notes"/>
+          <p:cNvPr id="232" name="Google Shape;232;g22d6900f53a_0_53:notes"/>
           <p:cNvSpPr txBox="1"/>
           <p:nvPr>
             <p:ph idx="1" type="body"/>
@@ -1774,7 +1774,7 @@
   <p:cSld>
     <p:spTree>
       <p:nvGrpSpPr>
-        <p:cNvPr id="238" name="Shape 238"/>
+        <p:cNvPr id="239" name="Shape 239"/>
         <p:cNvGrpSpPr/>
         <p:nvPr/>
       </p:nvGrpSpPr>
@@ -1788,7 +1788,7 @@
       </p:grpSpPr>
       <p:sp>
         <p:nvSpPr>
-          <p:cNvPr id="239" name="Google Shape;239;g22bcc5cda05_0_63:notes"/>
+          <p:cNvPr id="240" name="Google Shape;240;g22bcc5cda05_0_63:notes"/>
           <p:cNvSpPr/>
           <p:nvPr>
             <p:ph idx="2" type="sldImg"/>
@@ -1823,7 +1823,7 @@
       </p:sp>
       <p:sp>
         <p:nvSpPr>
-          <p:cNvPr id="240" name="Google Shape;240;g22bcc5cda05_0_63:notes"/>
+          <p:cNvPr id="241" name="Google Shape;241;g22bcc5cda05_0_63:notes"/>
           <p:cNvSpPr txBox="1"/>
           <p:nvPr>
             <p:ph idx="1" type="body"/>
@@ -1998,7 +1998,7 @@
   <p:cSld>
     <p:spTree>
       <p:nvGrpSpPr>
-        <p:cNvPr id="244" name="Shape 244"/>
+        <p:cNvPr id="245" name="Shape 245"/>
         <p:cNvGrpSpPr/>
         <p:nvPr/>
       </p:nvGrpSpPr>
@@ -2012,7 +2012,7 @@
       </p:grpSpPr>
       <p:sp>
         <p:nvSpPr>
-          <p:cNvPr id="245" name="Google Shape;245;g22bcc5cda05_1_9:notes"/>
+          <p:cNvPr id="246" name="Google Shape;246;g22bcc5cda05_1_9:notes"/>
           <p:cNvSpPr/>
           <p:nvPr>
             <p:ph idx="2" type="sldImg"/>
@@ -2047,7 +2047,7 @@
       </p:sp>
       <p:sp>
         <p:nvSpPr>
-          <p:cNvPr id="246" name="Google Shape;246;g22bcc5cda05_1_9:notes"/>
+          <p:cNvPr id="247" name="Google Shape;247;g22bcc5cda05_1_9:notes"/>
           <p:cNvSpPr txBox="1"/>
           <p:nvPr>
             <p:ph idx="1" type="body"/>
@@ -2107,7 +2107,7 @@
   <p:cSld>
     <p:spTree>
       <p:nvGrpSpPr>
-        <p:cNvPr id="251" name="Shape 251"/>
+        <p:cNvPr id="252" name="Shape 252"/>
         <p:cNvGrpSpPr/>
         <p:nvPr/>
       </p:nvGrpSpPr>
@@ -2121,7 +2121,7 @@
       </p:grpSpPr>
       <p:sp>
         <p:nvSpPr>
-          <p:cNvPr id="252" name="Google Shape;252;g22bcc5cda05_1_23:notes"/>
+          <p:cNvPr id="253" name="Google Shape;253;g22bcc5cda05_1_23:notes"/>
           <p:cNvSpPr/>
           <p:nvPr>
             <p:ph idx="2" type="sldImg"/>
@@ -2156,7 +2156,7 @@
       </p:sp>
       <p:sp>
         <p:nvSpPr>
-          <p:cNvPr id="253" name="Google Shape;253;g22bcc5cda05_1_23:notes"/>
+          <p:cNvPr id="254" name="Google Shape;254;g22bcc5cda05_1_23:notes"/>
           <p:cNvSpPr txBox="1"/>
           <p:nvPr>
             <p:ph idx="1" type="body"/>
@@ -2216,7 +2216,7 @@
   <p:cSld>
     <p:spTree>
       <p:nvGrpSpPr>
-        <p:cNvPr id="258" name="Shape 258"/>
+        <p:cNvPr id="259" name="Shape 259"/>
         <p:cNvGrpSpPr/>
         <p:nvPr/>
       </p:nvGrpSpPr>
@@ -2230,7 +2230,7 @@
       </p:grpSpPr>
       <p:sp>
         <p:nvSpPr>
-          <p:cNvPr id="259" name="Google Shape;259;g22bcc5cda05_1_30:notes"/>
+          <p:cNvPr id="260" name="Google Shape;260;g22bcc5cda05_1_30:notes"/>
           <p:cNvSpPr/>
           <p:nvPr>
             <p:ph idx="2" type="sldImg"/>
@@ -2265,7 +2265,7 @@
       </p:sp>
       <p:sp>
         <p:nvSpPr>
-          <p:cNvPr id="260" name="Google Shape;260;g22bcc5cda05_1_30:notes"/>
+          <p:cNvPr id="261" name="Google Shape;261;g22bcc5cda05_1_30:notes"/>
           <p:cNvSpPr txBox="1"/>
           <p:nvPr>
             <p:ph idx="1" type="body"/>
@@ -2325,7 +2325,7 @@
   <p:cSld>
     <p:spTree>
       <p:nvGrpSpPr>
-        <p:cNvPr id="265" name="Shape 265"/>
+        <p:cNvPr id="266" name="Shape 266"/>
         <p:cNvGrpSpPr/>
         <p:nvPr/>
       </p:nvGrpSpPr>
@@ -2339,7 +2339,7 @@
       </p:grpSpPr>
       <p:sp>
         <p:nvSpPr>
-          <p:cNvPr id="266" name="Google Shape;266;g22bcc5cda05_0_53:notes"/>
+          <p:cNvPr id="267" name="Google Shape;267;g22bcc5cda05_0_53:notes"/>
           <p:cNvSpPr/>
           <p:nvPr>
             <p:ph idx="2" type="sldImg"/>
@@ -2374,7 +2374,7 @@
       </p:sp>
       <p:sp>
         <p:nvSpPr>
-          <p:cNvPr id="267" name="Google Shape;267;g22bcc5cda05_0_53:notes"/>
+          <p:cNvPr id="268" name="Google Shape;268;g22bcc5cda05_0_53:notes"/>
           <p:cNvSpPr txBox="1"/>
           <p:nvPr>
             <p:ph idx="1" type="body"/>
@@ -2434,7 +2434,7 @@
   <p:cSld>
     <p:spTree>
       <p:nvGrpSpPr>
-        <p:cNvPr id="272" name="Shape 272"/>
+        <p:cNvPr id="273" name="Shape 273"/>
         <p:cNvGrpSpPr/>
         <p:nvPr/>
       </p:nvGrpSpPr>
@@ -2448,7 +2448,7 @@
       </p:grpSpPr>
       <p:sp>
         <p:nvSpPr>
-          <p:cNvPr id="273" name="Google Shape;273;g22bcc5cda05_1_2:notes"/>
+          <p:cNvPr id="274" name="Google Shape;274;g22bcc5cda05_1_2:notes"/>
           <p:cNvSpPr/>
           <p:nvPr>
             <p:ph idx="2" type="sldImg"/>
@@ -2483,7 +2483,7 @@
       </p:sp>
       <p:sp>
         <p:nvSpPr>
-          <p:cNvPr id="274" name="Google Shape;274;g22bcc5cda05_1_2:notes"/>
+          <p:cNvPr id="275" name="Google Shape;275;g22bcc5cda05_1_2:notes"/>
           <p:cNvSpPr txBox="1"/>
           <p:nvPr>
             <p:ph idx="1" type="body"/>
@@ -2873,7 +2873,7 @@
   <p:cSld>
     <p:spTree>
       <p:nvGrpSpPr>
-        <p:cNvPr id="279" name="Shape 279"/>
+        <p:cNvPr id="280" name="Shape 280"/>
         <p:cNvGrpSpPr/>
         <p:nvPr/>
       </p:nvGrpSpPr>
@@ -2887,7 +2887,7 @@
       </p:grpSpPr>
       <p:sp>
         <p:nvSpPr>
-          <p:cNvPr id="280" name="Google Shape;280;g22bcc5cda05_1_55:notes"/>
+          <p:cNvPr id="281" name="Google Shape;281;g22bcc5cda05_1_55:notes"/>
           <p:cNvSpPr/>
           <p:nvPr>
             <p:ph idx="2" type="sldImg"/>
@@ -2922,7 +2922,7 @@
       </p:sp>
       <p:sp>
         <p:nvSpPr>
-          <p:cNvPr id="281" name="Google Shape;281;g22bcc5cda05_1_55:notes"/>
+          <p:cNvPr id="282" name="Google Shape;282;g22bcc5cda05_1_55:notes"/>
           <p:cNvSpPr txBox="1"/>
           <p:nvPr>
             <p:ph idx="1" type="body"/>
@@ -2982,7 +2982,7 @@
   <p:cSld>
     <p:spTree>
       <p:nvGrpSpPr>
-        <p:cNvPr id="286" name="Shape 286"/>
+        <p:cNvPr id="287" name="Shape 287"/>
         <p:cNvGrpSpPr/>
         <p:nvPr/>
       </p:nvGrpSpPr>
@@ -2996,7 +2996,7 @@
       </p:grpSpPr>
       <p:sp>
         <p:nvSpPr>
-          <p:cNvPr id="287" name="Google Shape;287;g22bcc5cda05_1_37:notes"/>
+          <p:cNvPr id="288" name="Google Shape;288;g22bcc5cda05_1_37:notes"/>
           <p:cNvSpPr/>
           <p:nvPr>
             <p:ph idx="2" type="sldImg"/>
@@ -3031,7 +3031,7 @@
       </p:sp>
       <p:sp>
         <p:nvSpPr>
-          <p:cNvPr id="288" name="Google Shape;288;g22bcc5cda05_1_37:notes"/>
+          <p:cNvPr id="289" name="Google Shape;289;g22bcc5cda05_1_37:notes"/>
           <p:cNvSpPr txBox="1"/>
           <p:nvPr>
             <p:ph idx="1" type="body"/>
@@ -3091,7 +3091,7 @@
   <p:cSld>
     <p:spTree>
       <p:nvGrpSpPr>
-        <p:cNvPr id="293" name="Shape 293"/>
+        <p:cNvPr id="294" name="Shape 294"/>
         <p:cNvGrpSpPr/>
         <p:nvPr/>
       </p:nvGrpSpPr>
@@ -3105,7 +3105,7 @@
       </p:grpSpPr>
       <p:sp>
         <p:nvSpPr>
-          <p:cNvPr id="294" name="Google Shape;294;g22bcc5cda05_1_45:notes"/>
+          <p:cNvPr id="295" name="Google Shape;295;g22bcc5cda05_1_45:notes"/>
           <p:cNvSpPr/>
           <p:nvPr>
             <p:ph idx="2" type="sldImg"/>
@@ -3140,7 +3140,7 @@
       </p:sp>
       <p:sp>
         <p:nvSpPr>
-          <p:cNvPr id="295" name="Google Shape;295;g22bcc5cda05_1_45:notes"/>
+          <p:cNvPr id="296" name="Google Shape;296;g22bcc5cda05_1_45:notes"/>
           <p:cNvSpPr txBox="1"/>
           <p:nvPr>
             <p:ph idx="1" type="body"/>
@@ -3200,7 +3200,7 @@
   <p:cSld>
     <p:spTree>
       <p:nvGrpSpPr>
-        <p:cNvPr id="300" name="Shape 300"/>
+        <p:cNvPr id="301" name="Shape 301"/>
         <p:cNvGrpSpPr/>
         <p:nvPr/>
       </p:nvGrpSpPr>
@@ -3214,7 +3214,7 @@
       </p:grpSpPr>
       <p:sp>
         <p:nvSpPr>
-          <p:cNvPr id="301" name="Google Shape;301;g22bcc5cda05_0_76:notes"/>
+          <p:cNvPr id="302" name="Google Shape;302;g22bcc5cda05_0_76:notes"/>
           <p:cNvSpPr/>
           <p:nvPr>
             <p:ph idx="2" type="sldImg"/>
@@ -3249,7 +3249,7 @@
       </p:sp>
       <p:sp>
         <p:nvSpPr>
-          <p:cNvPr id="302" name="Google Shape;302;g22bcc5cda05_0_76:notes"/>
+          <p:cNvPr id="303" name="Google Shape;303;g22bcc5cda05_0_76:notes"/>
           <p:cNvSpPr txBox="1"/>
           <p:nvPr>
             <p:ph idx="1" type="body"/>
@@ -3299,7 +3299,7 @@
   <p:cSld>
     <p:spTree>
       <p:nvGrpSpPr>
-        <p:cNvPr id="102" name="Shape 102"/>
+        <p:cNvPr id="103" name="Shape 103"/>
         <p:cNvGrpSpPr/>
         <p:nvPr/>
       </p:nvGrpSpPr>
@@ -3313,7 +3313,7 @@
       </p:grpSpPr>
       <p:sp>
         <p:nvSpPr>
-          <p:cNvPr id="103" name="Google Shape;103;g209f41f48d6_0_77:notes"/>
+          <p:cNvPr id="104" name="Google Shape;104;g209f41f48d6_0_77:notes"/>
           <p:cNvSpPr/>
           <p:nvPr>
             <p:ph idx="2" type="sldImg"/>
@@ -3348,7 +3348,7 @@
       </p:sp>
       <p:sp>
         <p:nvSpPr>
-          <p:cNvPr id="104" name="Google Shape;104;g209f41f48d6_0_77:notes"/>
+          <p:cNvPr id="105" name="Google Shape;105;g209f41f48d6_0_77:notes"/>
           <p:cNvSpPr txBox="1"/>
           <p:nvPr>
             <p:ph idx="1" type="body"/>
@@ -3723,7 +3723,7 @@
   <p:cSld>
     <p:spTree>
       <p:nvGrpSpPr>
-        <p:cNvPr id="108" name="Shape 108"/>
+        <p:cNvPr id="109" name="Shape 109"/>
         <p:cNvGrpSpPr/>
         <p:nvPr/>
       </p:nvGrpSpPr>
@@ -3737,7 +3737,7 @@
       </p:grpSpPr>
       <p:sp>
         <p:nvSpPr>
-          <p:cNvPr id="109" name="Google Shape;109;g22bcc5cda05_0_8:notes"/>
+          <p:cNvPr id="110" name="Google Shape;110;g22bcc5cda05_0_8:notes"/>
           <p:cNvSpPr/>
           <p:nvPr>
             <p:ph idx="2" type="sldImg"/>
@@ -3772,7 +3772,7 @@
       </p:sp>
       <p:sp>
         <p:nvSpPr>
-          <p:cNvPr id="110" name="Google Shape;110;g22bcc5cda05_0_8:notes"/>
+          <p:cNvPr id="111" name="Google Shape;111;g22bcc5cda05_0_8:notes"/>
           <p:cNvSpPr txBox="1"/>
           <p:nvPr>
             <p:ph idx="1" type="body"/>
@@ -4085,7 +4085,7 @@
   <p:cSld>
     <p:spTree>
       <p:nvGrpSpPr>
-        <p:cNvPr id="119" name="Shape 119"/>
+        <p:cNvPr id="120" name="Shape 120"/>
         <p:cNvGrpSpPr/>
         <p:nvPr/>
       </p:nvGrpSpPr>
@@ -4099,7 +4099,7 @@
       </p:grpSpPr>
       <p:sp>
         <p:nvSpPr>
-          <p:cNvPr id="120" name="Google Shape;120;g22bcc5cda05_0_0:notes"/>
+          <p:cNvPr id="121" name="Google Shape;121;g22bcc5cda05_0_0:notes"/>
           <p:cNvSpPr/>
           <p:nvPr>
             <p:ph idx="2" type="sldImg"/>
@@ -4134,7 +4134,7 @@
       </p:sp>
       <p:sp>
         <p:nvSpPr>
-          <p:cNvPr id="121" name="Google Shape;121;g22bcc5cda05_0_0:notes"/>
+          <p:cNvPr id="122" name="Google Shape;122;g22bcc5cda05_0_0:notes"/>
           <p:cNvSpPr txBox="1"/>
           <p:nvPr>
             <p:ph idx="1" type="body"/>
@@ -4280,7 +4280,7 @@
   <p:cSld>
     <p:spTree>
       <p:nvGrpSpPr>
-        <p:cNvPr id="129" name="Shape 129"/>
+        <p:cNvPr id="130" name="Shape 130"/>
         <p:cNvGrpSpPr/>
         <p:nvPr/>
       </p:nvGrpSpPr>
@@ -4294,7 +4294,7 @@
       </p:grpSpPr>
       <p:sp>
         <p:nvSpPr>
-          <p:cNvPr id="130" name="Google Shape;130;g209f41f48d6_0_82:notes"/>
+          <p:cNvPr id="131" name="Google Shape;131;g209f41f48d6_0_82:notes"/>
           <p:cNvSpPr/>
           <p:nvPr>
             <p:ph idx="2" type="sldImg"/>
@@ -4329,7 +4329,7 @@
       </p:sp>
       <p:sp>
         <p:nvSpPr>
-          <p:cNvPr id="131" name="Google Shape;131;g209f41f48d6_0_82:notes"/>
+          <p:cNvPr id="132" name="Google Shape;132;g209f41f48d6_0_82:notes"/>
           <p:cNvSpPr txBox="1"/>
           <p:nvPr>
             <p:ph idx="1" type="body"/>
@@ -4577,7 +4577,7 @@
   <p:cSld>
     <p:spTree>
       <p:nvGrpSpPr>
-        <p:cNvPr id="135" name="Shape 135"/>
+        <p:cNvPr id="136" name="Shape 136"/>
         <p:cNvGrpSpPr/>
         <p:nvPr/>
       </p:nvGrpSpPr>
@@ -4591,7 +4591,7 @@
       </p:grpSpPr>
       <p:sp>
         <p:nvSpPr>
-          <p:cNvPr id="136" name="Google Shape;136;g22bcc5cda05_0_22:notes"/>
+          <p:cNvPr id="137" name="Google Shape;137;g22bcc5cda05_0_22:notes"/>
           <p:cNvSpPr/>
           <p:nvPr>
             <p:ph idx="2" type="sldImg"/>
@@ -4626,7 +4626,7 @@
       </p:sp>
       <p:sp>
         <p:nvSpPr>
-          <p:cNvPr id="137" name="Google Shape;137;g22bcc5cda05_0_22:notes"/>
+          <p:cNvPr id="138" name="Google Shape;138;g22bcc5cda05_0_22:notes"/>
           <p:cNvSpPr txBox="1"/>
           <p:nvPr>
             <p:ph idx="1" type="body"/>
@@ -4772,7 +4772,7 @@
   <p:cSld>
     <p:spTree>
       <p:nvGrpSpPr>
-        <p:cNvPr id="160" name="Shape 160"/>
+        <p:cNvPr id="161" name="Shape 161"/>
         <p:cNvGrpSpPr/>
         <p:nvPr/>
       </p:nvGrpSpPr>
@@ -4786,7 +4786,7 @@
       </p:grpSpPr>
       <p:sp>
         <p:nvSpPr>
-          <p:cNvPr id="161" name="Google Shape;161;g22bcc5cda05_0_28:notes"/>
+          <p:cNvPr id="162" name="Google Shape;162;g22bcc5cda05_0_28:notes"/>
           <p:cNvSpPr/>
           <p:nvPr>
             <p:ph idx="2" type="sldImg"/>
@@ -4821,7 +4821,7 @@
       </p:sp>
       <p:sp>
         <p:nvSpPr>
-          <p:cNvPr id="162" name="Google Shape;162;g22bcc5cda05_0_28:notes"/>
+          <p:cNvPr id="163" name="Google Shape;163;g22bcc5cda05_0_28:notes"/>
           <p:cNvSpPr txBox="1"/>
           <p:nvPr>
             <p:ph idx="1" type="body"/>
@@ -5018,7 +5018,7 @@
   <p:cSld>
     <p:spTree>
       <p:nvGrpSpPr>
-        <p:cNvPr id="168" name="Shape 168"/>
+        <p:cNvPr id="169" name="Shape 169"/>
         <p:cNvGrpSpPr/>
         <p:nvPr/>
       </p:nvGrpSpPr>
@@ -5032,7 +5032,7 @@
       </p:grpSpPr>
       <p:sp>
         <p:nvSpPr>
-          <p:cNvPr id="169" name="Google Shape;169;g22bcc5cda05_0_41:notes"/>
+          <p:cNvPr id="170" name="Google Shape;170;g22bcc5cda05_0_41:notes"/>
           <p:cNvSpPr/>
           <p:nvPr>
             <p:ph idx="2" type="sldImg"/>
@@ -5067,7 +5067,7 @@
       </p:sp>
       <p:sp>
         <p:nvSpPr>
-          <p:cNvPr id="170" name="Google Shape;170;g22bcc5cda05_0_41:notes"/>
+          <p:cNvPr id="171" name="Google Shape;171;g22bcc5cda05_0_41:notes"/>
           <p:cNvSpPr txBox="1"/>
           <p:nvPr>
             <p:ph idx="1" type="body"/>
@@ -11729,7 +11729,7 @@
   <p:cSld>
     <p:spTree>
       <p:nvGrpSpPr>
-        <p:cNvPr id="199" name="Shape 199"/>
+        <p:cNvPr id="200" name="Shape 200"/>
         <p:cNvGrpSpPr/>
         <p:nvPr/>
       </p:nvGrpSpPr>
@@ -11743,7 +11743,7 @@
       </p:grpSpPr>
       <p:sp>
         <p:nvSpPr>
-          <p:cNvPr id="200" name="Google Shape;200;p22"/>
+          <p:cNvPr id="201" name="Google Shape;201;p22"/>
           <p:cNvSpPr txBox="1"/>
           <p:nvPr>
             <p:ph type="title"/>
@@ -11783,7 +11783,7 @@
       </p:sp>
       <p:sp>
         <p:nvSpPr>
-          <p:cNvPr id="201" name="Google Shape;201;p22"/>
+          <p:cNvPr id="202" name="Google Shape;202;p22"/>
           <p:cNvSpPr txBox="1"/>
           <p:nvPr>
             <p:ph idx="1" type="body"/>
@@ -11857,7 +11857,7 @@
       </p:sp>
       <p:pic>
         <p:nvPicPr>
-          <p:cNvPr id="202" name="Google Shape;202;p22"/>
+          <p:cNvPr id="203" name="Google Shape;203;p22"/>
           <p:cNvPicPr preferRelativeResize="0"/>
           <p:nvPr/>
         </p:nvPicPr>
@@ -11885,7 +11885,7 @@
       </p:pic>
       <p:sp>
         <p:nvSpPr>
-          <p:cNvPr id="203" name="Google Shape;203;p22"/>
+          <p:cNvPr id="204" name="Google Shape;204;p22"/>
           <p:cNvSpPr txBox="1"/>
           <p:nvPr/>
         </p:nvSpPr>
@@ -11958,7 +11958,7 @@
       </p:sp>
       <p:pic>
         <p:nvPicPr>
-          <p:cNvPr id="204" name="Google Shape;204;p22"/>
+          <p:cNvPr id="205" name="Google Shape;205;p22"/>
           <p:cNvPicPr preferRelativeResize="0"/>
           <p:nvPr/>
         </p:nvPicPr>
@@ -11986,7 +11986,7 @@
       </p:pic>
       <p:sp>
         <p:nvSpPr>
-          <p:cNvPr id="205" name="Google Shape;205;p22"/>
+          <p:cNvPr id="206" name="Google Shape;206;p22"/>
           <p:cNvSpPr txBox="1"/>
           <p:nvPr/>
         </p:nvSpPr>
@@ -12059,7 +12059,7 @@
       </p:sp>
       <p:sp>
         <p:nvSpPr>
-          <p:cNvPr id="206" name="Google Shape;206;p22"/>
+          <p:cNvPr id="207" name="Google Shape;207;p22"/>
           <p:cNvSpPr txBox="1"/>
           <p:nvPr>
             <p:ph idx="1" type="body"/>
@@ -12126,7 +12126,7 @@
   <p:cSld>
     <p:spTree>
       <p:nvGrpSpPr>
-        <p:cNvPr id="210" name="Shape 210"/>
+        <p:cNvPr id="211" name="Shape 211"/>
         <p:cNvGrpSpPr/>
         <p:nvPr/>
       </p:nvGrpSpPr>
@@ -12140,7 +12140,7 @@
       </p:grpSpPr>
       <p:sp>
         <p:nvSpPr>
-          <p:cNvPr id="211" name="Google Shape;211;p23"/>
+          <p:cNvPr id="212" name="Google Shape;212;p23"/>
           <p:cNvSpPr txBox="1"/>
           <p:nvPr>
             <p:ph type="title"/>
@@ -12180,7 +12180,7 @@
       </p:sp>
       <p:sp>
         <p:nvSpPr>
-          <p:cNvPr id="212" name="Google Shape;212;p23"/>
+          <p:cNvPr id="213" name="Google Shape;213;p23"/>
           <p:cNvSpPr txBox="1"/>
           <p:nvPr>
             <p:ph idx="1" type="body"/>
@@ -12262,7 +12262,7 @@
       </p:sp>
       <p:pic>
         <p:nvPicPr>
-          <p:cNvPr id="213" name="Google Shape;213;p23"/>
+          <p:cNvPr id="214" name="Google Shape;214;p23"/>
           <p:cNvPicPr preferRelativeResize="0"/>
           <p:nvPr/>
         </p:nvPicPr>
@@ -12290,7 +12290,7 @@
       </p:pic>
       <p:pic>
         <p:nvPicPr>
-          <p:cNvPr id="214" name="Google Shape;214;p23"/>
+          <p:cNvPr id="215" name="Google Shape;215;p23"/>
           <p:cNvPicPr preferRelativeResize="0"/>
           <p:nvPr/>
         </p:nvPicPr>
@@ -12318,7 +12318,7 @@
       </p:pic>
       <p:sp>
         <p:nvSpPr>
-          <p:cNvPr id="215" name="Google Shape;215;p23"/>
+          <p:cNvPr id="216" name="Google Shape;216;p23"/>
           <p:cNvSpPr txBox="1"/>
           <p:nvPr/>
         </p:nvSpPr>
@@ -12391,7 +12391,7 @@
       </p:sp>
       <p:sp>
         <p:nvSpPr>
-          <p:cNvPr id="216" name="Google Shape;216;p23"/>
+          <p:cNvPr id="217" name="Google Shape;217;p23"/>
           <p:cNvSpPr txBox="1"/>
           <p:nvPr/>
         </p:nvSpPr>
@@ -12464,7 +12464,7 @@
       </p:sp>
       <p:sp>
         <p:nvSpPr>
-          <p:cNvPr id="217" name="Google Shape;217;p23"/>
+          <p:cNvPr id="218" name="Google Shape;218;p23"/>
           <p:cNvSpPr txBox="1"/>
           <p:nvPr>
             <p:ph idx="1" type="body"/>
@@ -12531,7 +12531,7 @@
   <p:cSld>
     <p:spTree>
       <p:nvGrpSpPr>
-        <p:cNvPr id="221" name="Shape 221"/>
+        <p:cNvPr id="222" name="Shape 222"/>
         <p:cNvGrpSpPr/>
         <p:nvPr/>
       </p:nvGrpSpPr>
@@ -12545,7 +12545,7 @@
       </p:grpSpPr>
       <p:sp>
         <p:nvSpPr>
-          <p:cNvPr id="222" name="Google Shape;222;p24"/>
+          <p:cNvPr id="223" name="Google Shape;223;p24"/>
           <p:cNvSpPr txBox="1"/>
           <p:nvPr>
             <p:ph type="title"/>
@@ -12585,7 +12585,7 @@
       </p:sp>
       <p:sp>
         <p:nvSpPr>
-          <p:cNvPr id="223" name="Google Shape;223;p24"/>
+          <p:cNvPr id="224" name="Google Shape;224;p24"/>
           <p:cNvSpPr txBox="1"/>
           <p:nvPr>
             <p:ph idx="1" type="body"/>
@@ -12668,7 +12668,7 @@
       </p:sp>
       <p:pic>
         <p:nvPicPr>
-          <p:cNvPr id="224" name="Google Shape;224;p24"/>
+          <p:cNvPr id="225" name="Google Shape;225;p24"/>
           <p:cNvPicPr preferRelativeResize="0"/>
           <p:nvPr/>
         </p:nvPicPr>
@@ -12696,7 +12696,7 @@
       </p:pic>
       <p:sp>
         <p:nvSpPr>
-          <p:cNvPr id="225" name="Google Shape;225;p24"/>
+          <p:cNvPr id="226" name="Google Shape;226;p24"/>
           <p:cNvSpPr txBox="1"/>
           <p:nvPr/>
         </p:nvSpPr>
@@ -12829,7 +12829,7 @@
       </p:sp>
       <p:sp>
         <p:nvSpPr>
-          <p:cNvPr id="226" name="Google Shape;226;p24"/>
+          <p:cNvPr id="227" name="Google Shape;227;p24"/>
           <p:cNvSpPr/>
           <p:nvPr/>
         </p:nvSpPr>
@@ -12875,7 +12875,7 @@
       </p:sp>
       <p:sp>
         <p:nvSpPr>
-          <p:cNvPr id="227" name="Google Shape;227;p24"/>
+          <p:cNvPr id="228" name="Google Shape;228;p24"/>
           <p:cNvSpPr txBox="1"/>
           <p:nvPr/>
         </p:nvSpPr>
@@ -12928,7 +12928,7 @@
       </p:sp>
       <p:pic>
         <p:nvPicPr>
-          <p:cNvPr id="228" name="Google Shape;228;p24"/>
+          <p:cNvPr id="229" name="Google Shape;229;p24"/>
           <p:cNvPicPr preferRelativeResize="0"/>
           <p:nvPr/>
         </p:nvPicPr>
@@ -12966,7 +12966,7 @@
   <p:cSld>
     <p:spTree>
       <p:nvGrpSpPr>
-        <p:cNvPr id="232" name="Shape 232"/>
+        <p:cNvPr id="233" name="Shape 233"/>
         <p:cNvGrpSpPr/>
         <p:nvPr/>
       </p:nvGrpSpPr>
@@ -12980,7 +12980,7 @@
       </p:grpSpPr>
       <p:sp>
         <p:nvSpPr>
-          <p:cNvPr id="233" name="Google Shape;233;p25"/>
+          <p:cNvPr id="234" name="Google Shape;234;p25"/>
           <p:cNvSpPr txBox="1"/>
           <p:nvPr>
             <p:ph type="title"/>
@@ -13020,7 +13020,7 @@
       </p:sp>
       <p:sp>
         <p:nvSpPr>
-          <p:cNvPr id="234" name="Google Shape;234;p25"/>
+          <p:cNvPr id="235" name="Google Shape;235;p25"/>
           <p:cNvSpPr txBox="1"/>
           <p:nvPr>
             <p:ph idx="1" type="body"/>
@@ -13099,7 +13099,7 @@
       </p:sp>
       <p:pic>
         <p:nvPicPr>
-          <p:cNvPr id="235" name="Google Shape;235;p25"/>
+          <p:cNvPr id="236" name="Google Shape;236;p25"/>
           <p:cNvPicPr preferRelativeResize="0"/>
           <p:nvPr/>
         </p:nvPicPr>
@@ -13127,7 +13127,7 @@
       </p:pic>
       <p:sp>
         <p:nvSpPr>
-          <p:cNvPr id="236" name="Google Shape;236;p25"/>
+          <p:cNvPr id="237" name="Google Shape;237;p25"/>
           <p:cNvSpPr txBox="1"/>
           <p:nvPr/>
         </p:nvSpPr>
@@ -13224,7 +13224,7 @@
       </p:sp>
       <p:sp>
         <p:nvSpPr>
-          <p:cNvPr id="237" name="Google Shape;237;p25"/>
+          <p:cNvPr id="238" name="Google Shape;238;p25"/>
           <p:cNvSpPr/>
           <p:nvPr/>
         </p:nvSpPr>
@@ -13282,7 +13282,7 @@
   <p:cSld>
     <p:spTree>
       <p:nvGrpSpPr>
-        <p:cNvPr id="241" name="Shape 241"/>
+        <p:cNvPr id="242" name="Shape 242"/>
         <p:cNvGrpSpPr/>
         <p:nvPr/>
       </p:nvGrpSpPr>
@@ -13296,7 +13296,7 @@
       </p:grpSpPr>
       <p:sp>
         <p:nvSpPr>
-          <p:cNvPr id="242" name="Google Shape;242;p26"/>
+          <p:cNvPr id="243" name="Google Shape;243;p26"/>
           <p:cNvSpPr txBox="1"/>
           <p:nvPr>
             <p:ph type="title"/>
@@ -13336,7 +13336,7 @@
       </p:sp>
       <p:sp>
         <p:nvSpPr>
-          <p:cNvPr id="243" name="Google Shape;243;p26"/>
+          <p:cNvPr id="244" name="Google Shape;244;p26"/>
           <p:cNvSpPr txBox="1"/>
           <p:nvPr>
             <p:ph idx="1" type="body"/>
@@ -13422,7 +13422,7 @@
   <p:cSld>
     <p:spTree>
       <p:nvGrpSpPr>
-        <p:cNvPr id="247" name="Shape 247"/>
+        <p:cNvPr id="248" name="Shape 248"/>
         <p:cNvGrpSpPr/>
         <p:nvPr/>
       </p:nvGrpSpPr>
@@ -13436,7 +13436,7 @@
       </p:grpSpPr>
       <p:sp>
         <p:nvSpPr>
-          <p:cNvPr id="248" name="Google Shape;248;p27"/>
+          <p:cNvPr id="249" name="Google Shape;249;p27"/>
           <p:cNvSpPr txBox="1"/>
           <p:nvPr>
             <p:ph type="title"/>
@@ -13476,7 +13476,7 @@
       </p:sp>
       <p:sp>
         <p:nvSpPr>
-          <p:cNvPr id="249" name="Google Shape;249;p27"/>
+          <p:cNvPr id="250" name="Google Shape;250;p27"/>
           <p:cNvSpPr txBox="1"/>
           <p:nvPr>
             <p:ph idx="1" type="body"/>
@@ -13515,7 +13515,7 @@
       </p:sp>
       <p:pic>
         <p:nvPicPr>
-          <p:cNvPr id="250" name="Google Shape;250;p27"/>
+          <p:cNvPr id="251" name="Google Shape;251;p27"/>
           <p:cNvPicPr preferRelativeResize="0"/>
           <p:nvPr/>
         </p:nvPicPr>
@@ -13554,7 +13554,7 @@
   <p:cSld>
     <p:spTree>
       <p:nvGrpSpPr>
-        <p:cNvPr id="254" name="Shape 254"/>
+        <p:cNvPr id="255" name="Shape 255"/>
         <p:cNvGrpSpPr/>
         <p:nvPr/>
       </p:nvGrpSpPr>
@@ -13568,7 +13568,7 @@
       </p:grpSpPr>
       <p:sp>
         <p:nvSpPr>
-          <p:cNvPr id="255" name="Google Shape;255;p28"/>
+          <p:cNvPr id="256" name="Google Shape;256;p28"/>
           <p:cNvSpPr txBox="1"/>
           <p:nvPr>
             <p:ph type="title"/>
@@ -13608,7 +13608,7 @@
       </p:sp>
       <p:sp>
         <p:nvSpPr>
-          <p:cNvPr id="256" name="Google Shape;256;p28"/>
+          <p:cNvPr id="257" name="Google Shape;257;p28"/>
           <p:cNvSpPr txBox="1"/>
           <p:nvPr>
             <p:ph idx="1" type="body"/>
@@ -13647,7 +13647,7 @@
       </p:sp>
       <p:pic>
         <p:nvPicPr>
-          <p:cNvPr id="257" name="Google Shape;257;p28"/>
+          <p:cNvPr id="258" name="Google Shape;258;p28"/>
           <p:cNvPicPr preferRelativeResize="0"/>
           <p:nvPr/>
         </p:nvPicPr>
@@ -13686,7 +13686,7 @@
   <p:cSld>
     <p:spTree>
       <p:nvGrpSpPr>
-        <p:cNvPr id="261" name="Shape 261"/>
+        <p:cNvPr id="262" name="Shape 262"/>
         <p:cNvGrpSpPr/>
         <p:nvPr/>
       </p:nvGrpSpPr>
@@ -13700,7 +13700,7 @@
       </p:grpSpPr>
       <p:sp>
         <p:nvSpPr>
-          <p:cNvPr id="262" name="Google Shape;262;p29"/>
+          <p:cNvPr id="263" name="Google Shape;263;p29"/>
           <p:cNvSpPr txBox="1"/>
           <p:nvPr>
             <p:ph type="title"/>
@@ -13740,7 +13740,7 @@
       </p:sp>
       <p:sp>
         <p:nvSpPr>
-          <p:cNvPr id="263" name="Google Shape;263;p29"/>
+          <p:cNvPr id="264" name="Google Shape;264;p29"/>
           <p:cNvSpPr txBox="1"/>
           <p:nvPr>
             <p:ph idx="1" type="body"/>
@@ -13779,7 +13779,7 @@
       </p:sp>
       <p:pic>
         <p:nvPicPr>
-          <p:cNvPr id="264" name="Google Shape;264;p29"/>
+          <p:cNvPr id="265" name="Google Shape;265;p29"/>
           <p:cNvPicPr preferRelativeResize="0"/>
           <p:nvPr/>
         </p:nvPicPr>
@@ -13818,7 +13818,7 @@
   <p:cSld>
     <p:spTree>
       <p:nvGrpSpPr>
-        <p:cNvPr id="268" name="Shape 268"/>
+        <p:cNvPr id="269" name="Shape 269"/>
         <p:cNvGrpSpPr/>
         <p:nvPr/>
       </p:nvGrpSpPr>
@@ -13832,7 +13832,7 @@
       </p:grpSpPr>
       <p:sp>
         <p:nvSpPr>
-          <p:cNvPr id="269" name="Google Shape;269;p30"/>
+          <p:cNvPr id="270" name="Google Shape;270;p30"/>
           <p:cNvSpPr txBox="1"/>
           <p:nvPr>
             <p:ph type="title"/>
@@ -13872,7 +13872,7 @@
       </p:sp>
       <p:sp>
         <p:nvSpPr>
-          <p:cNvPr id="270" name="Google Shape;270;p30"/>
+          <p:cNvPr id="271" name="Google Shape;271;p30"/>
           <p:cNvSpPr txBox="1"/>
           <p:nvPr>
             <p:ph idx="1" type="body"/>
@@ -13911,7 +13911,7 @@
       </p:sp>
       <p:pic>
         <p:nvPicPr>
-          <p:cNvPr id="271" name="Google Shape;271;p30"/>
+          <p:cNvPr id="272" name="Google Shape;272;p30"/>
           <p:cNvPicPr preferRelativeResize="0"/>
           <p:nvPr/>
         </p:nvPicPr>
@@ -13950,7 +13950,7 @@
   <p:cSld>
     <p:spTree>
       <p:nvGrpSpPr>
-        <p:cNvPr id="275" name="Shape 275"/>
+        <p:cNvPr id="276" name="Shape 276"/>
         <p:cNvGrpSpPr/>
         <p:nvPr/>
       </p:nvGrpSpPr>
@@ -13964,7 +13964,7 @@
       </p:grpSpPr>
       <p:sp>
         <p:nvSpPr>
-          <p:cNvPr id="276" name="Google Shape;276;p31"/>
+          <p:cNvPr id="277" name="Google Shape;277;p31"/>
           <p:cNvSpPr txBox="1"/>
           <p:nvPr>
             <p:ph type="title"/>
@@ -14004,7 +14004,7 @@
       </p:sp>
       <p:sp>
         <p:nvSpPr>
-          <p:cNvPr id="277" name="Google Shape;277;p31"/>
+          <p:cNvPr id="278" name="Google Shape;278;p31"/>
           <p:cNvSpPr txBox="1"/>
           <p:nvPr>
             <p:ph idx="1" type="body"/>
@@ -14043,7 +14043,7 @@
       </p:sp>
       <p:pic>
         <p:nvPicPr>
-          <p:cNvPr id="278" name="Google Shape;278;p31"/>
+          <p:cNvPr id="279" name="Google Shape;279;p31"/>
           <p:cNvPicPr preferRelativeResize="0"/>
           <p:nvPr/>
         </p:nvPicPr>
@@ -14094,37 +14094,9 @@
           <a:chExt cx="0" cy="0"/>
         </a:xfrm>
       </p:grpSpPr>
-      <p:pic>
-        <p:nvPicPr>
-          <p:cNvPr id="92" name="Google Shape;92;p14"/>
-          <p:cNvPicPr preferRelativeResize="0"/>
-          <p:nvPr/>
-        </p:nvPicPr>
-        <p:blipFill>
-          <a:blip r:embed="rId3">
-            <a:alphaModFix/>
-          </a:blip>
-          <a:stretch>
-            <a:fillRect/>
-          </a:stretch>
-        </p:blipFill>
-        <p:spPr>
-          <a:xfrm>
-            <a:off x="3450813" y="2198525"/>
-            <a:ext cx="2495550" cy="2533650"/>
-          </a:xfrm>
-          <a:prstGeom prst="rect">
-            <a:avLst/>
-          </a:prstGeom>
-          <a:noFill/>
-          <a:ln>
-            <a:noFill/>
-          </a:ln>
-        </p:spPr>
-      </p:pic>
       <p:sp>
         <p:nvSpPr>
-          <p:cNvPr id="93" name="Google Shape;93;p14"/>
+          <p:cNvPr id="92" name="Google Shape;92;p14"/>
           <p:cNvSpPr txBox="1"/>
           <p:nvPr>
             <p:ph type="title"/>
@@ -14164,7 +14136,7 @@
       </p:sp>
       <p:sp>
         <p:nvSpPr>
-          <p:cNvPr id="94" name="Google Shape;94;p14"/>
+          <p:cNvPr id="93" name="Google Shape;93;p14"/>
           <p:cNvSpPr txBox="1"/>
           <p:nvPr>
             <p:ph idx="1" type="body"/>
@@ -14242,188 +14214,241 @@
           </a:p>
         </p:txBody>
       </p:sp>
-      <p:sp>
-        <p:nvSpPr>
-          <p:cNvPr id="95" name="Google Shape;95;p14"/>
-          <p:cNvSpPr/>
+      <p:grpSp>
+        <p:nvGrpSpPr>
+          <p:cNvPr id="94" name="Google Shape;94;p14"/>
+          <p:cNvGrpSpPr/>
           <p:nvPr/>
-        </p:nvSpPr>
-        <p:spPr>
-          <a:xfrm>
-            <a:off x="5252975" y="3169725"/>
-            <a:ext cx="253200" cy="239400"/>
-          </a:xfrm>
-          <a:prstGeom prst="ellipse">
-            <a:avLst/>
-          </a:prstGeom>
-          <a:noFill/>
-          <a:ln cap="flat" cmpd="sng" w="38100">
-            <a:solidFill>
-              <a:srgbClr val="FF0000"/>
-            </a:solidFill>
-            <a:prstDash val="solid"/>
-            <a:round/>
-            <a:headEnd len="sm" w="sm" type="none"/>
-            <a:tailEnd len="sm" w="sm" type="none"/>
-          </a:ln>
-        </p:spPr>
-        <p:txBody>
-          <a:bodyPr anchorCtr="0" anchor="ctr" bIns="91425" lIns="91425" spcFirstLastPara="1" rIns="91425" wrap="square" tIns="91425">
-            <a:noAutofit/>
-          </a:bodyPr>
-          <a:lstStyle/>
-          <a:p>
-            <a:pPr indent="0" lvl="0" marL="0" rtl="0" algn="l">
-              <a:spcBef>
-                <a:spcPts val="0"/>
-              </a:spcBef>
-              <a:spcAft>
-                <a:spcPts val="0"/>
-              </a:spcAft>
-              <a:buNone/>
-            </a:pPr>
-            <a:r>
-              <a:t/>
-            </a:r>
-            <a:endParaRPr/>
-          </a:p>
-        </p:txBody>
-      </p:sp>
-      <p:sp>
-        <p:nvSpPr>
-          <p:cNvPr id="96" name="Google Shape;96;p14"/>
-          <p:cNvSpPr/>
-          <p:nvPr/>
-        </p:nvSpPr>
-        <p:spPr>
-          <a:xfrm>
-            <a:off x="4661800" y="3308513"/>
-            <a:ext cx="253200" cy="239400"/>
-          </a:xfrm>
-          <a:prstGeom prst="ellipse">
-            <a:avLst/>
-          </a:prstGeom>
-          <a:noFill/>
-          <a:ln cap="flat" cmpd="sng" w="38100">
-            <a:solidFill>
-              <a:srgbClr val="0000FF"/>
-            </a:solidFill>
-            <a:prstDash val="solid"/>
-            <a:round/>
-            <a:headEnd len="sm" w="sm" type="none"/>
-            <a:tailEnd len="sm" w="sm" type="none"/>
-          </a:ln>
-        </p:spPr>
-        <p:txBody>
-          <a:bodyPr anchorCtr="0" anchor="ctr" bIns="91425" lIns="91425" spcFirstLastPara="1" rIns="91425" wrap="square" tIns="91425">
-            <a:noAutofit/>
-          </a:bodyPr>
-          <a:lstStyle/>
-          <a:p>
-            <a:pPr indent="0" lvl="0" marL="0" rtl="0" algn="l">
-              <a:spcBef>
-                <a:spcPts val="0"/>
-              </a:spcBef>
-              <a:spcAft>
-                <a:spcPts val="0"/>
-              </a:spcAft>
-              <a:buNone/>
-            </a:pPr>
-            <a:r>
-              <a:t/>
-            </a:r>
-            <a:endParaRPr/>
-          </a:p>
-        </p:txBody>
-      </p:sp>
-      <p:sp>
-        <p:nvSpPr>
-          <p:cNvPr id="97" name="Google Shape;97;p14"/>
-          <p:cNvSpPr txBox="1"/>
-          <p:nvPr/>
-        </p:nvSpPr>
-        <p:spPr>
-          <a:xfrm>
-            <a:off x="2134025" y="3787300"/>
-            <a:ext cx="841200" cy="523200"/>
-          </a:xfrm>
-          <a:prstGeom prst="rect">
-            <a:avLst/>
-          </a:prstGeom>
-          <a:noFill/>
-          <a:ln>
+        </p:nvGrpSpPr>
+        <p:grpSpPr>
+          <a:xfrm>
+            <a:off x="2134025" y="2198525"/>
+            <a:ext cx="5159025" cy="2533650"/>
+            <a:chOff x="2134025" y="2198525"/>
+            <a:chExt cx="5159025" cy="2533650"/>
+          </a:xfrm>
+        </p:grpSpPr>
+        <p:pic>
+          <p:nvPicPr>
+            <p:cNvPr id="95" name="Google Shape;95;p14"/>
+            <p:cNvPicPr preferRelativeResize="0"/>
+            <p:nvPr/>
+          </p:nvPicPr>
+          <p:blipFill>
+            <a:blip r:embed="rId3">
+              <a:alphaModFix/>
+            </a:blip>
+            <a:stretch>
+              <a:fillRect/>
+            </a:stretch>
+          </p:blipFill>
+          <p:spPr>
+            <a:xfrm>
+              <a:off x="3450813" y="2198525"/>
+              <a:ext cx="2495550" cy="2533650"/>
+            </a:xfrm>
+            <a:prstGeom prst="rect">
+              <a:avLst/>
+            </a:prstGeom>
             <a:noFill/>
-          </a:ln>
-        </p:spPr>
-        <p:txBody>
-          <a:bodyPr anchorCtr="0" anchor="t" bIns="91425" lIns="91425" spcFirstLastPara="1" rIns="91425" wrap="square" tIns="91425">
-            <a:spAutoFit/>
-          </a:bodyPr>
-          <a:lstStyle/>
-          <a:p>
-            <a:pPr indent="0" lvl="0" marL="0" rtl="0" algn="l">
-              <a:spcBef>
-                <a:spcPts val="0"/>
-              </a:spcBef>
-              <a:spcAft>
-                <a:spcPts val="0"/>
-              </a:spcAft>
-              <a:buNone/>
-            </a:pPr>
-            <a:r>
-              <a:rPr b="1" lang="en" sz="1100">
+            <a:ln>
+              <a:noFill/>
+            </a:ln>
+          </p:spPr>
+        </p:pic>
+        <p:sp>
+          <p:nvSpPr>
+            <p:cNvPr id="96" name="Google Shape;96;p14"/>
+            <p:cNvSpPr/>
+            <p:nvPr/>
+          </p:nvSpPr>
+          <p:spPr>
+            <a:xfrm>
+              <a:off x="5252975" y="3169725"/>
+              <a:ext cx="253200" cy="239400"/>
+            </a:xfrm>
+            <a:prstGeom prst="ellipse">
+              <a:avLst/>
+            </a:prstGeom>
+            <a:noFill/>
+            <a:ln cap="flat" cmpd="sng" w="38100">
+              <a:solidFill>
+                <a:srgbClr val="FF0000"/>
+              </a:solidFill>
+              <a:prstDash val="solid"/>
+              <a:round/>
+              <a:headEnd len="sm" w="sm" type="none"/>
+              <a:tailEnd len="sm" w="sm" type="none"/>
+            </a:ln>
+          </p:spPr>
+          <p:txBody>
+            <a:bodyPr anchorCtr="0" anchor="ctr" bIns="91425" lIns="91425" spcFirstLastPara="1" rIns="91425" wrap="square" tIns="91425">
+              <a:noAutofit/>
+            </a:bodyPr>
+            <a:lstStyle/>
+            <a:p>
+              <a:pPr indent="0" lvl="0" marL="0" rtl="0" algn="l">
+                <a:spcBef>
+                  <a:spcPts val="0"/>
+                </a:spcBef>
+                <a:spcAft>
+                  <a:spcPts val="0"/>
+                </a:spcAft>
+                <a:buNone/>
+              </a:pPr>
+              <a:r>
+                <a:t/>
+              </a:r>
+              <a:endParaRPr/>
+            </a:p>
+          </p:txBody>
+        </p:sp>
+        <p:sp>
+          <p:nvSpPr>
+            <p:cNvPr id="97" name="Google Shape;97;p14"/>
+            <p:cNvSpPr/>
+            <p:nvPr/>
+          </p:nvSpPr>
+          <p:spPr>
+            <a:xfrm>
+              <a:off x="4661800" y="3308513"/>
+              <a:ext cx="253200" cy="239400"/>
+            </a:xfrm>
+            <a:prstGeom prst="ellipse">
+              <a:avLst/>
+            </a:prstGeom>
+            <a:noFill/>
+            <a:ln cap="flat" cmpd="sng" w="38100">
+              <a:solidFill>
+                <a:srgbClr val="0000FF"/>
+              </a:solidFill>
+              <a:prstDash val="solid"/>
+              <a:round/>
+              <a:headEnd len="sm" w="sm" type="none"/>
+              <a:tailEnd len="sm" w="sm" type="none"/>
+            </a:ln>
+          </p:spPr>
+          <p:txBody>
+            <a:bodyPr anchorCtr="0" anchor="ctr" bIns="91425" lIns="91425" spcFirstLastPara="1" rIns="91425" wrap="square" tIns="91425">
+              <a:noAutofit/>
+            </a:bodyPr>
+            <a:lstStyle/>
+            <a:p>
+              <a:pPr indent="0" lvl="0" marL="0" rtl="0" algn="l">
+                <a:spcBef>
+                  <a:spcPts val="0"/>
+                </a:spcBef>
+                <a:spcAft>
+                  <a:spcPts val="0"/>
+                </a:spcAft>
+                <a:buNone/>
+              </a:pPr>
+              <a:r>
+                <a:t/>
+              </a:r>
+              <a:endParaRPr/>
+            </a:p>
+          </p:txBody>
+        </p:sp>
+        <p:sp>
+          <p:nvSpPr>
+            <p:cNvPr id="98" name="Google Shape;98;p14"/>
+            <p:cNvSpPr txBox="1"/>
+            <p:nvPr/>
+          </p:nvSpPr>
+          <p:spPr>
+            <a:xfrm>
+              <a:off x="2134025" y="3787300"/>
+              <a:ext cx="841200" cy="523200"/>
+            </a:xfrm>
+            <a:prstGeom prst="rect">
+              <a:avLst/>
+            </a:prstGeom>
+            <a:noFill/>
+            <a:ln>
+              <a:noFill/>
+            </a:ln>
+          </p:spPr>
+          <p:txBody>
+            <a:bodyPr anchorCtr="0" anchor="t" bIns="91425" lIns="91425" spcFirstLastPara="1" rIns="91425" wrap="square" tIns="91425">
+              <a:spAutoFit/>
+            </a:bodyPr>
+            <a:lstStyle/>
+            <a:p>
+              <a:pPr indent="0" lvl="0" marL="0" rtl="0" algn="l">
+                <a:spcBef>
+                  <a:spcPts val="0"/>
+                </a:spcBef>
+                <a:spcAft>
+                  <a:spcPts val="0"/>
+                </a:spcAft>
+                <a:buNone/>
+              </a:pPr>
+              <a:r>
+                <a:rPr b="1" lang="en" sz="1100">
+                  <a:latin typeface="Lato"/>
+                  <a:ea typeface="Lato"/>
+                  <a:cs typeface="Lato"/>
+                  <a:sym typeface="Lato"/>
+                </a:rPr>
+                <a:t>Sharp turn 1</a:t>
+              </a:r>
+              <a:endParaRPr b="1" sz="1100">
                 <a:latin typeface="Lato"/>
                 <a:ea typeface="Lato"/>
                 <a:cs typeface="Lato"/>
                 <a:sym typeface="Lato"/>
-              </a:rPr>
-              <a:t>Sharp turn 1</a:t>
-            </a:r>
-            <a:endParaRPr b="1" sz="1100">
-              <a:latin typeface="Lato"/>
-              <a:ea typeface="Lato"/>
-              <a:cs typeface="Lato"/>
-              <a:sym typeface="Lato"/>
-            </a:endParaRPr>
-          </a:p>
-        </p:txBody>
-      </p:sp>
-      <p:sp>
-        <p:nvSpPr>
-          <p:cNvPr id="98" name="Google Shape;98;p14"/>
-          <p:cNvSpPr txBox="1"/>
-          <p:nvPr/>
-        </p:nvSpPr>
-        <p:spPr>
-          <a:xfrm>
-            <a:off x="6451850" y="3787300"/>
-            <a:ext cx="841200" cy="523200"/>
-          </a:xfrm>
-          <a:prstGeom prst="rect">
-            <a:avLst/>
-          </a:prstGeom>
-          <a:noFill/>
-          <a:ln>
+              </a:endParaRPr>
+            </a:p>
+          </p:txBody>
+        </p:sp>
+        <p:sp>
+          <p:nvSpPr>
+            <p:cNvPr id="99" name="Google Shape;99;p14"/>
+            <p:cNvSpPr txBox="1"/>
+            <p:nvPr/>
+          </p:nvSpPr>
+          <p:spPr>
+            <a:xfrm>
+              <a:off x="6451850" y="3787300"/>
+              <a:ext cx="841200" cy="523200"/>
+            </a:xfrm>
+            <a:prstGeom prst="rect">
+              <a:avLst/>
+            </a:prstGeom>
             <a:noFill/>
-          </a:ln>
-        </p:spPr>
-        <p:txBody>
-          <a:bodyPr anchorCtr="0" anchor="t" bIns="91425" lIns="91425" spcFirstLastPara="1" rIns="91425" wrap="square" tIns="91425">
-            <a:spAutoFit/>
-          </a:bodyPr>
-          <a:lstStyle/>
-          <a:p>
-            <a:pPr indent="0" lvl="0" marL="0" rtl="0" algn="l">
-              <a:spcBef>
-                <a:spcPts val="0"/>
-              </a:spcBef>
-              <a:spcAft>
-                <a:spcPts val="0"/>
-              </a:spcAft>
-              <a:buNone/>
-            </a:pPr>
-            <a:r>
-              <a:rPr b="1" lang="en" sz="1100">
+            <a:ln>
+              <a:noFill/>
+            </a:ln>
+          </p:spPr>
+          <p:txBody>
+            <a:bodyPr anchorCtr="0" anchor="t" bIns="91425" lIns="91425" spcFirstLastPara="1" rIns="91425" wrap="square" tIns="91425">
+              <a:spAutoFit/>
+            </a:bodyPr>
+            <a:lstStyle/>
+            <a:p>
+              <a:pPr indent="0" lvl="0" marL="0" rtl="0" algn="l">
+                <a:spcBef>
+                  <a:spcPts val="0"/>
+                </a:spcBef>
+                <a:spcAft>
+                  <a:spcPts val="0"/>
+                </a:spcAft>
+                <a:buNone/>
+              </a:pPr>
+              <a:r>
+                <a:rPr b="1" lang="en" sz="1100">
+                  <a:solidFill>
+                    <a:srgbClr val="FF0000"/>
+                  </a:solidFill>
+                  <a:latin typeface="Lato"/>
+                  <a:ea typeface="Lato"/>
+                  <a:cs typeface="Lato"/>
+                  <a:sym typeface="Lato"/>
+                </a:rPr>
+                <a:t>Sharp turn 2</a:t>
+              </a:r>
+              <a:endParaRPr b="1" sz="1100">
                 <a:solidFill>
                   <a:srgbClr val="FF0000"/>
                 </a:solidFill>
@@ -14431,82 +14456,72 @@
                 <a:ea typeface="Lato"/>
                 <a:cs typeface="Lato"/>
                 <a:sym typeface="Lato"/>
-              </a:rPr>
-              <a:t>Sharp turn 2</a:t>
-            </a:r>
-            <a:endParaRPr b="1" sz="1100">
+              </a:endParaRPr>
+            </a:p>
+          </p:txBody>
+        </p:sp>
+        <p:cxnSp>
+          <p:nvCxnSpPr>
+            <p:cNvPr id="100" name="Google Shape;100;p14"/>
+            <p:cNvCxnSpPr>
+              <a:stCxn id="97" idx="4"/>
+              <a:endCxn id="98" idx="3"/>
+            </p:cNvCxnSpPr>
+            <p:nvPr/>
+          </p:nvCxnSpPr>
+          <p:spPr>
+            <a:xfrm rot="5400000">
+              <a:off x="3631300" y="2891813"/>
+              <a:ext cx="501000" cy="1813200"/>
+            </a:xfrm>
+            <a:prstGeom prst="bentConnector2">
+              <a:avLst/>
+            </a:prstGeom>
+            <a:noFill/>
+            <a:ln cap="flat" cmpd="sng" w="9525">
+              <a:solidFill>
+                <a:srgbClr val="0000FF"/>
+              </a:solidFill>
+              <a:prstDash val="solid"/>
+              <a:round/>
+              <a:headEnd len="med" w="med" type="none"/>
+              <a:tailEnd len="med" w="med" type="triangle"/>
+            </a:ln>
+          </p:spPr>
+        </p:cxnSp>
+        <p:cxnSp>
+          <p:nvCxnSpPr>
+            <p:cNvPr id="101" name="Google Shape;101;p14"/>
+            <p:cNvCxnSpPr>
+              <a:stCxn id="96" idx="4"/>
+              <a:endCxn id="99" idx="1"/>
+            </p:cNvCxnSpPr>
+            <p:nvPr/>
+          </p:nvCxnSpPr>
+          <p:spPr>
+            <a:xfrm flipH="1" rot="-5400000">
+              <a:off x="5595725" y="3192975"/>
+              <a:ext cx="639900" cy="1072200"/>
+            </a:xfrm>
+            <a:prstGeom prst="bentConnector2">
+              <a:avLst/>
+            </a:prstGeom>
+            <a:noFill/>
+            <a:ln cap="flat" cmpd="sng" w="9525">
               <a:solidFill>
                 <a:srgbClr val="FF0000"/>
               </a:solidFill>
-              <a:latin typeface="Lato"/>
-              <a:ea typeface="Lato"/>
-              <a:cs typeface="Lato"/>
-              <a:sym typeface="Lato"/>
-            </a:endParaRPr>
-          </a:p>
-        </p:txBody>
-      </p:sp>
-      <p:cxnSp>
-        <p:nvCxnSpPr>
-          <p:cNvPr id="99" name="Google Shape;99;p14"/>
-          <p:cNvCxnSpPr>
-            <a:stCxn id="96" idx="4"/>
-            <a:endCxn id="97" idx="3"/>
-          </p:cNvCxnSpPr>
-          <p:nvPr/>
-        </p:nvCxnSpPr>
-        <p:spPr>
-          <a:xfrm rot="5400000">
-            <a:off x="3631300" y="2891813"/>
-            <a:ext cx="501000" cy="1813200"/>
-          </a:xfrm>
-          <a:prstGeom prst="bentConnector2">
-            <a:avLst/>
-          </a:prstGeom>
-          <a:noFill/>
-          <a:ln cap="flat" cmpd="sng" w="9525">
-            <a:solidFill>
-              <a:srgbClr val="0000FF"/>
-            </a:solidFill>
-            <a:prstDash val="solid"/>
-            <a:round/>
-            <a:headEnd len="med" w="med" type="none"/>
-            <a:tailEnd len="med" w="med" type="triangle"/>
-          </a:ln>
-        </p:spPr>
-      </p:cxnSp>
-      <p:cxnSp>
-        <p:nvCxnSpPr>
-          <p:cNvPr id="100" name="Google Shape;100;p14"/>
-          <p:cNvCxnSpPr>
-            <a:stCxn id="95" idx="4"/>
-            <a:endCxn id="98" idx="1"/>
-          </p:cNvCxnSpPr>
-          <p:nvPr/>
-        </p:nvCxnSpPr>
-        <p:spPr>
-          <a:xfrm flipH="1" rot="-5400000">
-            <a:off x="5595725" y="3192975"/>
-            <a:ext cx="639900" cy="1072200"/>
-          </a:xfrm>
-          <a:prstGeom prst="bentConnector2">
-            <a:avLst/>
-          </a:prstGeom>
-          <a:noFill/>
-          <a:ln cap="flat" cmpd="sng" w="9525">
-            <a:solidFill>
-              <a:srgbClr val="FF0000"/>
-            </a:solidFill>
-            <a:prstDash val="solid"/>
-            <a:round/>
-            <a:headEnd len="med" w="med" type="none"/>
-            <a:tailEnd len="med" w="med" type="triangle"/>
-          </a:ln>
-        </p:spPr>
-      </p:cxnSp>
+              <a:prstDash val="solid"/>
+              <a:round/>
+              <a:headEnd len="med" w="med" type="none"/>
+              <a:tailEnd len="med" w="med" type="triangle"/>
+            </a:ln>
+          </p:spPr>
+        </p:cxnSp>
+      </p:grpSp>
       <p:sp>
         <p:nvSpPr>
-          <p:cNvPr id="101" name="Google Shape;101;p14"/>
+          <p:cNvPr id="102" name="Google Shape;102;p14"/>
           <p:cNvSpPr txBox="1"/>
           <p:nvPr/>
         </p:nvSpPr>
@@ -14582,7 +14597,7 @@
   <p:cSld>
     <p:spTree>
       <p:nvGrpSpPr>
-        <p:cNvPr id="282" name="Shape 282"/>
+        <p:cNvPr id="283" name="Shape 283"/>
         <p:cNvGrpSpPr/>
         <p:nvPr/>
       </p:nvGrpSpPr>
@@ -14596,7 +14611,7 @@
       </p:grpSpPr>
       <p:sp>
         <p:nvSpPr>
-          <p:cNvPr id="283" name="Google Shape;283;p32"/>
+          <p:cNvPr id="284" name="Google Shape;284;p32"/>
           <p:cNvSpPr txBox="1"/>
           <p:nvPr>
             <p:ph type="title"/>
@@ -14636,7 +14651,7 @@
       </p:sp>
       <p:sp>
         <p:nvSpPr>
-          <p:cNvPr id="284" name="Google Shape;284;p32"/>
+          <p:cNvPr id="285" name="Google Shape;285;p32"/>
           <p:cNvSpPr txBox="1"/>
           <p:nvPr>
             <p:ph idx="1" type="body"/>
@@ -14675,7 +14690,7 @@
       </p:sp>
       <p:pic>
         <p:nvPicPr>
-          <p:cNvPr id="285" name="Google Shape;285;p32"/>
+          <p:cNvPr id="286" name="Google Shape;286;p32"/>
           <p:cNvPicPr preferRelativeResize="0"/>
           <p:nvPr/>
         </p:nvPicPr>
@@ -14714,7 +14729,7 @@
   <p:cSld>
     <p:spTree>
       <p:nvGrpSpPr>
-        <p:cNvPr id="289" name="Shape 289"/>
+        <p:cNvPr id="290" name="Shape 290"/>
         <p:cNvGrpSpPr/>
         <p:nvPr/>
       </p:nvGrpSpPr>
@@ -14728,7 +14743,7 @@
       </p:grpSpPr>
       <p:sp>
         <p:nvSpPr>
-          <p:cNvPr id="290" name="Google Shape;290;p33"/>
+          <p:cNvPr id="291" name="Google Shape;291;p33"/>
           <p:cNvSpPr txBox="1"/>
           <p:nvPr>
             <p:ph type="title"/>
@@ -14768,7 +14783,7 @@
       </p:sp>
       <p:sp>
         <p:nvSpPr>
-          <p:cNvPr id="291" name="Google Shape;291;p33"/>
+          <p:cNvPr id="292" name="Google Shape;292;p33"/>
           <p:cNvSpPr txBox="1"/>
           <p:nvPr>
             <p:ph idx="1" type="body"/>
@@ -14807,7 +14822,7 @@
       </p:sp>
       <p:pic>
         <p:nvPicPr>
-          <p:cNvPr id="292" name="Google Shape;292;p33"/>
+          <p:cNvPr id="293" name="Google Shape;293;p33"/>
           <p:cNvPicPr preferRelativeResize="0"/>
           <p:nvPr/>
         </p:nvPicPr>
@@ -14846,7 +14861,7 @@
   <p:cSld>
     <p:spTree>
       <p:nvGrpSpPr>
-        <p:cNvPr id="296" name="Shape 296"/>
+        <p:cNvPr id="297" name="Shape 297"/>
         <p:cNvGrpSpPr/>
         <p:nvPr/>
       </p:nvGrpSpPr>
@@ -14860,7 +14875,7 @@
       </p:grpSpPr>
       <p:sp>
         <p:nvSpPr>
-          <p:cNvPr id="297" name="Google Shape;297;p34"/>
+          <p:cNvPr id="298" name="Google Shape;298;p34"/>
           <p:cNvSpPr txBox="1"/>
           <p:nvPr>
             <p:ph type="title"/>
@@ -14900,7 +14915,7 @@
       </p:sp>
       <p:sp>
         <p:nvSpPr>
-          <p:cNvPr id="298" name="Google Shape;298;p34"/>
+          <p:cNvPr id="299" name="Google Shape;299;p34"/>
           <p:cNvSpPr txBox="1"/>
           <p:nvPr>
             <p:ph idx="1" type="body"/>
@@ -14939,7 +14954,7 @@
       </p:sp>
       <p:pic>
         <p:nvPicPr>
-          <p:cNvPr id="299" name="Google Shape;299;p34"/>
+          <p:cNvPr id="300" name="Google Shape;300;p34"/>
           <p:cNvPicPr preferRelativeResize="0"/>
           <p:nvPr/>
         </p:nvPicPr>
@@ -14978,7 +14993,7 @@
   <p:cSld>
     <p:spTree>
       <p:nvGrpSpPr>
-        <p:cNvPr id="303" name="Shape 303"/>
+        <p:cNvPr id="304" name="Shape 304"/>
         <p:cNvGrpSpPr/>
         <p:nvPr/>
       </p:nvGrpSpPr>
@@ -14992,7 +15007,7 @@
       </p:grpSpPr>
       <p:sp>
         <p:nvSpPr>
-          <p:cNvPr id="304" name="Google Shape;304;p35"/>
+          <p:cNvPr id="305" name="Google Shape;305;p35"/>
           <p:cNvSpPr txBox="1"/>
           <p:nvPr>
             <p:ph type="title"/>
@@ -15032,7 +15047,7 @@
       </p:sp>
       <p:sp>
         <p:nvSpPr>
-          <p:cNvPr id="305" name="Google Shape;305;p35"/>
+          <p:cNvPr id="306" name="Google Shape;306;p35"/>
           <p:cNvSpPr txBox="1"/>
           <p:nvPr>
             <p:ph idx="1" type="body"/>
@@ -15082,7 +15097,7 @@
   <p:cSld>
     <p:spTree>
       <p:nvGrpSpPr>
-        <p:cNvPr id="105" name="Shape 105"/>
+        <p:cNvPr id="106" name="Shape 106"/>
         <p:cNvGrpSpPr/>
         <p:nvPr/>
       </p:nvGrpSpPr>
@@ -15096,7 +15111,7 @@
       </p:grpSpPr>
       <p:sp>
         <p:nvSpPr>
-          <p:cNvPr id="106" name="Google Shape;106;p15"/>
+          <p:cNvPr id="107" name="Google Shape;107;p15"/>
           <p:cNvSpPr txBox="1"/>
           <p:nvPr>
             <p:ph type="title"/>
@@ -15136,7 +15151,7 @@
       </p:sp>
       <p:sp>
         <p:nvSpPr>
-          <p:cNvPr id="107" name="Google Shape;107;p15"/>
+          <p:cNvPr id="108" name="Google Shape;108;p15"/>
           <p:cNvSpPr txBox="1"/>
           <p:nvPr>
             <p:ph idx="1" type="body"/>
@@ -15299,7 +15314,7 @@
   <p:cSld>
     <p:spTree>
       <p:nvGrpSpPr>
-        <p:cNvPr id="111" name="Shape 111"/>
+        <p:cNvPr id="112" name="Shape 112"/>
         <p:cNvGrpSpPr/>
         <p:nvPr/>
       </p:nvGrpSpPr>
@@ -15313,7 +15328,7 @@
       </p:grpSpPr>
       <p:sp>
         <p:nvSpPr>
-          <p:cNvPr id="112" name="Google Shape;112;p16"/>
+          <p:cNvPr id="113" name="Google Shape;113;p16"/>
           <p:cNvSpPr txBox="1"/>
           <p:nvPr>
             <p:ph idx="1" type="body"/>
@@ -15441,7 +15456,7 @@
       </p:sp>
       <p:sp>
         <p:nvSpPr>
-          <p:cNvPr id="113" name="Google Shape;113;p16"/>
+          <p:cNvPr id="114" name="Google Shape;114;p16"/>
           <p:cNvSpPr txBox="1"/>
           <p:nvPr>
             <p:ph type="title"/>
@@ -15489,7 +15504,7 @@
       </p:sp>
       <p:sp>
         <p:nvSpPr>
-          <p:cNvPr id="114" name="Google Shape;114;p16"/>
+          <p:cNvPr id="115" name="Google Shape;115;p16"/>
           <p:cNvSpPr txBox="1"/>
           <p:nvPr>
             <p:ph idx="1" type="body"/>
@@ -15603,7 +15618,7 @@
       </p:sp>
       <p:pic>
         <p:nvPicPr>
-          <p:cNvPr id="115" name="Google Shape;115;p16"/>
+          <p:cNvPr id="116" name="Google Shape;116;p16"/>
           <p:cNvPicPr preferRelativeResize="0"/>
           <p:nvPr/>
         </p:nvPicPr>
@@ -15630,7 +15645,7 @@
       </p:pic>
       <p:sp>
         <p:nvSpPr>
-          <p:cNvPr id="116" name="Google Shape;116;p16"/>
+          <p:cNvPr id="117" name="Google Shape;117;p16"/>
           <p:cNvSpPr txBox="1"/>
           <p:nvPr/>
         </p:nvSpPr>
@@ -15695,7 +15710,7 @@
       </p:sp>
       <p:sp>
         <p:nvSpPr>
-          <p:cNvPr id="117" name="Google Shape;117;p16"/>
+          <p:cNvPr id="118" name="Google Shape;118;p16"/>
           <p:cNvSpPr txBox="1"/>
           <p:nvPr/>
         </p:nvSpPr>
@@ -15760,7 +15775,7 @@
       </p:sp>
       <p:pic>
         <p:nvPicPr>
-          <p:cNvPr id="118" name="Google Shape;118;p16"/>
+          <p:cNvPr id="119" name="Google Shape;119;p16"/>
           <p:cNvPicPr preferRelativeResize="0"/>
           <p:nvPr/>
         </p:nvPicPr>
@@ -15799,7 +15814,7 @@
   <p:cSld>
     <p:spTree>
       <p:nvGrpSpPr>
-        <p:cNvPr id="122" name="Shape 122"/>
+        <p:cNvPr id="123" name="Shape 123"/>
         <p:cNvGrpSpPr/>
         <p:nvPr/>
       </p:nvGrpSpPr>
@@ -15813,7 +15828,7 @@
       </p:grpSpPr>
       <p:sp>
         <p:nvSpPr>
-          <p:cNvPr id="123" name="Google Shape;123;p17"/>
+          <p:cNvPr id="124" name="Google Shape;124;p17"/>
           <p:cNvSpPr txBox="1"/>
           <p:nvPr>
             <p:ph type="title"/>
@@ -15853,7 +15868,7 @@
       </p:sp>
       <p:sp>
         <p:nvSpPr>
-          <p:cNvPr id="124" name="Google Shape;124;p17"/>
+          <p:cNvPr id="125" name="Google Shape;125;p17"/>
           <p:cNvSpPr txBox="1"/>
           <p:nvPr>
             <p:ph idx="1" type="body"/>
@@ -15941,7 +15956,7 @@
       </p:sp>
       <p:pic>
         <p:nvPicPr>
-          <p:cNvPr id="125" name="Google Shape;125;p17"/>
+          <p:cNvPr id="126" name="Google Shape;126;p17"/>
           <p:cNvPicPr preferRelativeResize="0"/>
           <p:nvPr/>
         </p:nvPicPr>
@@ -15968,7 +15983,7 @@
       </p:pic>
       <p:sp>
         <p:nvSpPr>
-          <p:cNvPr id="126" name="Google Shape;126;p17"/>
+          <p:cNvPr id="127" name="Google Shape;127;p17"/>
           <p:cNvSpPr/>
           <p:nvPr/>
         </p:nvSpPr>
@@ -16015,7 +16030,7 @@
       </p:sp>
       <p:sp>
         <p:nvSpPr>
-          <p:cNvPr id="127" name="Google Shape;127;p17"/>
+          <p:cNvPr id="128" name="Google Shape;128;p17"/>
           <p:cNvSpPr/>
           <p:nvPr/>
         </p:nvSpPr>
@@ -16062,7 +16077,7 @@
       </p:sp>
       <p:sp>
         <p:nvSpPr>
-          <p:cNvPr id="128" name="Google Shape;128;p17"/>
+          <p:cNvPr id="129" name="Google Shape;129;p17"/>
           <p:cNvSpPr txBox="1"/>
           <p:nvPr/>
         </p:nvSpPr>
@@ -16162,7 +16177,7 @@
   <p:cSld>
     <p:spTree>
       <p:nvGrpSpPr>
-        <p:cNvPr id="132" name="Shape 132"/>
+        <p:cNvPr id="133" name="Shape 133"/>
         <p:cNvGrpSpPr/>
         <p:nvPr/>
       </p:nvGrpSpPr>
@@ -16176,7 +16191,7 @@
       </p:grpSpPr>
       <p:sp>
         <p:nvSpPr>
-          <p:cNvPr id="133" name="Google Shape;133;p18"/>
+          <p:cNvPr id="134" name="Google Shape;134;p18"/>
           <p:cNvSpPr txBox="1"/>
           <p:nvPr>
             <p:ph type="title"/>
@@ -16216,7 +16231,7 @@
       </p:sp>
       <p:sp>
         <p:nvSpPr>
-          <p:cNvPr id="134" name="Google Shape;134;p18"/>
+          <p:cNvPr id="135" name="Google Shape;135;p18"/>
           <p:cNvSpPr txBox="1"/>
           <p:nvPr>
             <p:ph idx="1" type="body"/>
@@ -16459,7 +16474,7 @@
   <p:cSld>
     <p:spTree>
       <p:nvGrpSpPr>
-        <p:cNvPr id="138" name="Shape 138"/>
+        <p:cNvPr id="139" name="Shape 139"/>
         <p:cNvGrpSpPr/>
         <p:nvPr/>
       </p:nvGrpSpPr>
@@ -16473,7 +16488,7 @@
       </p:grpSpPr>
       <p:sp>
         <p:nvSpPr>
-          <p:cNvPr id="139" name="Google Shape;139;p19"/>
+          <p:cNvPr id="140" name="Google Shape;140;p19"/>
           <p:cNvSpPr txBox="1"/>
           <p:nvPr>
             <p:ph type="title"/>
@@ -16513,7 +16528,7 @@
       </p:sp>
       <p:pic>
         <p:nvPicPr>
-          <p:cNvPr id="140" name="Google Shape;140;p19"/>
+          <p:cNvPr id="141" name="Google Shape;141;p19"/>
           <p:cNvPicPr preferRelativeResize="0"/>
           <p:nvPr/>
         </p:nvPicPr>
@@ -16541,7 +16556,7 @@
       </p:pic>
       <p:sp>
         <p:nvSpPr>
-          <p:cNvPr id="141" name="Google Shape;141;p19"/>
+          <p:cNvPr id="142" name="Google Shape;142;p19"/>
           <p:cNvSpPr/>
           <p:nvPr/>
         </p:nvSpPr>
@@ -16588,7 +16603,7 @@
       </p:sp>
       <p:sp>
         <p:nvSpPr>
-          <p:cNvPr id="142" name="Google Shape;142;p19"/>
+          <p:cNvPr id="143" name="Google Shape;143;p19"/>
           <p:cNvSpPr/>
           <p:nvPr/>
         </p:nvSpPr>
@@ -16635,7 +16650,7 @@
       </p:sp>
       <p:sp>
         <p:nvSpPr>
-          <p:cNvPr id="143" name="Google Shape;143;p19"/>
+          <p:cNvPr id="144" name="Google Shape;144;p19"/>
           <p:cNvSpPr/>
           <p:nvPr/>
         </p:nvSpPr>
@@ -16682,7 +16697,7 @@
       </p:sp>
       <p:sp>
         <p:nvSpPr>
-          <p:cNvPr id="144" name="Google Shape;144;p19"/>
+          <p:cNvPr id="145" name="Google Shape;145;p19"/>
           <p:cNvSpPr/>
           <p:nvPr/>
         </p:nvSpPr>
@@ -16729,7 +16744,7 @@
       </p:sp>
       <p:sp>
         <p:nvSpPr>
-          <p:cNvPr id="145" name="Google Shape;145;p19"/>
+          <p:cNvPr id="146" name="Google Shape;146;p19"/>
           <p:cNvSpPr txBox="1"/>
           <p:nvPr>
             <p:ph idx="1" type="body"/>
@@ -16776,7 +16791,7 @@
       </p:sp>
       <p:sp>
         <p:nvSpPr>
-          <p:cNvPr id="146" name="Google Shape;146;p19"/>
+          <p:cNvPr id="147" name="Google Shape;147;p19"/>
           <p:cNvSpPr txBox="1"/>
           <p:nvPr>
             <p:ph idx="1" type="body"/>
@@ -16823,10 +16838,10 @@
       </p:sp>
       <p:cxnSp>
         <p:nvCxnSpPr>
-          <p:cNvPr id="147" name="Google Shape;147;p19"/>
+          <p:cNvPr id="148" name="Google Shape;148;p19"/>
           <p:cNvCxnSpPr>
-            <a:stCxn id="141" idx="6"/>
-            <a:endCxn id="145" idx="1"/>
+            <a:stCxn id="142" idx="6"/>
+            <a:endCxn id="146" idx="1"/>
           </p:cNvCxnSpPr>
           <p:nvPr/>
         </p:nvCxnSpPr>
@@ -16852,10 +16867,10 @@
       </p:cxnSp>
       <p:cxnSp>
         <p:nvCxnSpPr>
-          <p:cNvPr id="148" name="Google Shape;148;p19"/>
+          <p:cNvPr id="149" name="Google Shape;149;p19"/>
           <p:cNvCxnSpPr>
-            <a:stCxn id="142" idx="6"/>
-            <a:endCxn id="146" idx="1"/>
+            <a:stCxn id="143" idx="6"/>
+            <a:endCxn id="147" idx="1"/>
           </p:cNvCxnSpPr>
           <p:nvPr/>
         </p:nvCxnSpPr>
@@ -16881,7 +16896,7 @@
       </p:cxnSp>
       <p:sp>
         <p:nvSpPr>
-          <p:cNvPr id="149" name="Google Shape;149;p19"/>
+          <p:cNvPr id="150" name="Google Shape;150;p19"/>
           <p:cNvSpPr txBox="1"/>
           <p:nvPr>
             <p:ph idx="1" type="body"/>
@@ -16957,7 +16972,7 @@
       </p:sp>
       <p:sp>
         <p:nvSpPr>
-          <p:cNvPr id="150" name="Google Shape;150;p19"/>
+          <p:cNvPr id="151" name="Google Shape;151;p19"/>
           <p:cNvSpPr txBox="1"/>
           <p:nvPr>
             <p:ph idx="1" type="body"/>
@@ -17025,7 +17040,7 @@
       </p:sp>
       <p:sp>
         <p:nvSpPr>
-          <p:cNvPr id="151" name="Google Shape;151;p19"/>
+          <p:cNvPr id="152" name="Google Shape;152;p19"/>
           <p:cNvSpPr txBox="1"/>
           <p:nvPr/>
         </p:nvSpPr>
@@ -17066,7 +17081,7 @@
       </p:sp>
       <p:sp>
         <p:nvSpPr>
-          <p:cNvPr id="152" name="Google Shape;152;p19"/>
+          <p:cNvPr id="153" name="Google Shape;153;p19"/>
           <p:cNvSpPr txBox="1"/>
           <p:nvPr>
             <p:ph idx="1" type="body"/>
@@ -17146,7 +17161,7 @@
       </p:sp>
       <p:sp>
         <p:nvSpPr>
-          <p:cNvPr id="153" name="Google Shape;153;p19"/>
+          <p:cNvPr id="154" name="Google Shape;154;p19"/>
           <p:cNvSpPr/>
           <p:nvPr/>
         </p:nvSpPr>
@@ -17193,7 +17208,7 @@
       </p:sp>
       <p:sp>
         <p:nvSpPr>
-          <p:cNvPr id="154" name="Google Shape;154;p19"/>
+          <p:cNvPr id="155" name="Google Shape;155;p19"/>
           <p:cNvSpPr/>
           <p:nvPr/>
         </p:nvSpPr>
@@ -17240,7 +17255,7 @@
       </p:sp>
       <p:sp>
         <p:nvSpPr>
-          <p:cNvPr id="155" name="Google Shape;155;p19"/>
+          <p:cNvPr id="156" name="Google Shape;156;p19"/>
           <p:cNvSpPr txBox="1"/>
           <p:nvPr/>
         </p:nvSpPr>
@@ -17293,7 +17308,7 @@
       </p:sp>
       <p:sp>
         <p:nvSpPr>
-          <p:cNvPr id="156" name="Google Shape;156;p19"/>
+          <p:cNvPr id="157" name="Google Shape;157;p19"/>
           <p:cNvSpPr txBox="1"/>
           <p:nvPr/>
         </p:nvSpPr>
@@ -17346,7 +17361,7 @@
       </p:sp>
       <p:sp>
         <p:nvSpPr>
-          <p:cNvPr id="157" name="Google Shape;157;p19"/>
+          <p:cNvPr id="158" name="Google Shape;158;p19"/>
           <p:cNvSpPr txBox="1"/>
           <p:nvPr/>
         </p:nvSpPr>
@@ -17416,9 +17431,9 @@
       </p:sp>
       <p:cxnSp>
         <p:nvCxnSpPr>
-          <p:cNvPr id="158" name="Google Shape;158;p19"/>
+          <p:cNvPr id="159" name="Google Shape;159;p19"/>
           <p:cNvCxnSpPr>
-            <a:endCxn id="149" idx="3"/>
+            <a:endCxn id="150" idx="3"/>
           </p:cNvCxnSpPr>
           <p:nvPr/>
         </p:nvCxnSpPr>
@@ -17446,9 +17461,9 @@
       </p:cxnSp>
       <p:cxnSp>
         <p:nvCxnSpPr>
-          <p:cNvPr id="159" name="Google Shape;159;p19"/>
+          <p:cNvPr id="160" name="Google Shape;160;p19"/>
           <p:cNvCxnSpPr>
-            <a:endCxn id="150" idx="3"/>
+            <a:endCxn id="151" idx="3"/>
           </p:cNvCxnSpPr>
           <p:nvPr/>
         </p:nvCxnSpPr>
@@ -17487,7 +17502,7 @@
   <p:cSld>
     <p:spTree>
       <p:nvGrpSpPr>
-        <p:cNvPr id="163" name="Shape 163"/>
+        <p:cNvPr id="164" name="Shape 164"/>
         <p:cNvGrpSpPr/>
         <p:nvPr/>
       </p:nvGrpSpPr>
@@ -17501,7 +17516,7 @@
       </p:grpSpPr>
       <p:sp>
         <p:nvSpPr>
-          <p:cNvPr id="164" name="Google Shape;164;p20"/>
+          <p:cNvPr id="165" name="Google Shape;165;p20"/>
           <p:cNvSpPr txBox="1"/>
           <p:nvPr>
             <p:ph type="title"/>
@@ -17541,7 +17556,7 @@
       </p:sp>
       <p:sp>
         <p:nvSpPr>
-          <p:cNvPr id="165" name="Google Shape;165;p20"/>
+          <p:cNvPr id="166" name="Google Shape;166;p20"/>
           <p:cNvSpPr txBox="1"/>
           <p:nvPr/>
         </p:nvSpPr>
@@ -17661,7 +17676,7 @@
       </p:sp>
       <p:sp>
         <p:nvSpPr>
-          <p:cNvPr id="166" name="Google Shape;166;p20"/>
+          <p:cNvPr id="167" name="Google Shape;167;p20"/>
           <p:cNvSpPr txBox="1"/>
           <p:nvPr>
             <p:ph idx="1" type="body"/>
@@ -17757,7 +17772,7 @@
       </p:sp>
       <p:pic>
         <p:nvPicPr>
-          <p:cNvPr id="167" name="Google Shape;167;p20"/>
+          <p:cNvPr id="168" name="Google Shape;168;p20"/>
           <p:cNvPicPr preferRelativeResize="0"/>
           <p:nvPr/>
         </p:nvPicPr>
@@ -17796,7 +17811,7 @@
   <p:cSld>
     <p:spTree>
       <p:nvGrpSpPr>
-        <p:cNvPr id="171" name="Shape 171"/>
+        <p:cNvPr id="172" name="Shape 172"/>
         <p:cNvGrpSpPr/>
         <p:nvPr/>
       </p:nvGrpSpPr>
@@ -17810,7 +17825,7 @@
       </p:grpSpPr>
       <p:sp>
         <p:nvSpPr>
-          <p:cNvPr id="172" name="Google Shape;172;p21"/>
+          <p:cNvPr id="173" name="Google Shape;173;p21"/>
           <p:cNvSpPr txBox="1"/>
           <p:nvPr>
             <p:ph type="title"/>
@@ -17850,7 +17865,7 @@
       </p:sp>
       <p:sp>
         <p:nvSpPr>
-          <p:cNvPr id="173" name="Google Shape;173;p21"/>
+          <p:cNvPr id="174" name="Google Shape;174;p21"/>
           <p:cNvSpPr txBox="1"/>
           <p:nvPr>
             <p:ph idx="1" type="body"/>
@@ -17991,7 +18006,7 @@
       </p:sp>
       <p:grpSp>
         <p:nvGrpSpPr>
-          <p:cNvPr id="174" name="Google Shape;174;p21"/>
+          <p:cNvPr id="175" name="Google Shape;175;p21"/>
           <p:cNvGrpSpPr/>
           <p:nvPr/>
         </p:nvGrpSpPr>
@@ -18005,9 +18020,9 @@
         </p:grpSpPr>
         <p:cxnSp>
           <p:nvCxnSpPr>
-            <p:cNvPr id="175" name="Google Shape;175;p21"/>
+            <p:cNvPr id="176" name="Google Shape;176;p21"/>
             <p:cNvCxnSpPr>
-              <a:stCxn id="176" idx="2"/>
+              <a:stCxn id="177" idx="2"/>
             </p:cNvCxnSpPr>
             <p:nvPr/>
           </p:nvCxnSpPr>
@@ -18033,7 +18048,7 @@
         </p:cxnSp>
         <p:cxnSp>
           <p:nvCxnSpPr>
-            <p:cNvPr id="177" name="Google Shape;177;p21"/>
+            <p:cNvPr id="178" name="Google Shape;178;p21"/>
             <p:cNvCxnSpPr/>
             <p:nvPr/>
           </p:nvCxnSpPr>
@@ -18059,7 +18074,7 @@
         </p:cxnSp>
         <p:cxnSp>
           <p:nvCxnSpPr>
-            <p:cNvPr id="178" name="Google Shape;178;p21"/>
+            <p:cNvPr id="179" name="Google Shape;179;p21"/>
             <p:cNvCxnSpPr/>
             <p:nvPr/>
           </p:nvCxnSpPr>
@@ -18085,7 +18100,7 @@
         </p:cxnSp>
         <p:grpSp>
           <p:nvGrpSpPr>
-            <p:cNvPr id="179" name="Google Shape;179;p21"/>
+            <p:cNvPr id="180" name="Google Shape;180;p21"/>
             <p:cNvGrpSpPr/>
             <p:nvPr/>
           </p:nvGrpSpPr>
@@ -18099,7 +18114,7 @@
           </p:grpSpPr>
           <p:sp>
             <p:nvSpPr>
-              <p:cNvPr id="180" name="Google Shape;180;p21"/>
+              <p:cNvPr id="181" name="Google Shape;181;p21"/>
               <p:cNvSpPr txBox="1"/>
               <p:nvPr/>
             </p:nvSpPr>
@@ -18172,7 +18187,7 @@
           </p:sp>
           <p:grpSp>
             <p:nvGrpSpPr>
-              <p:cNvPr id="181" name="Google Shape;181;p21"/>
+              <p:cNvPr id="182" name="Google Shape;182;p21"/>
               <p:cNvGrpSpPr/>
               <p:nvPr/>
             </p:nvGrpSpPr>
@@ -18186,7 +18201,7 @@
             </p:grpSpPr>
             <p:grpSp>
               <p:nvGrpSpPr>
-                <p:cNvPr id="182" name="Google Shape;182;p21"/>
+                <p:cNvPr id="183" name="Google Shape;183;p21"/>
                 <p:cNvGrpSpPr/>
                 <p:nvPr/>
               </p:nvGrpSpPr>
@@ -18200,7 +18215,7 @@
               </p:grpSpPr>
               <p:sp>
                 <p:nvSpPr>
-                  <p:cNvPr id="183" name="Google Shape;183;p21"/>
+                  <p:cNvPr id="184" name="Google Shape;184;p21"/>
                   <p:cNvSpPr/>
                   <p:nvPr/>
                 </p:nvSpPr>
@@ -18249,7 +18264,7 @@
               </p:sp>
               <p:pic>
                 <p:nvPicPr>
-                  <p:cNvPr id="176" name="Google Shape;176;p21"/>
+                  <p:cNvPr id="177" name="Google Shape;177;p21"/>
                   <p:cNvPicPr preferRelativeResize="0"/>
                   <p:nvPr/>
                 </p:nvPicPr>
@@ -18277,7 +18292,7 @@
               </p:pic>
               <p:pic>
                 <p:nvPicPr>
-                  <p:cNvPr id="184" name="Google Shape;184;p21"/>
+                  <p:cNvPr id="185" name="Google Shape;185;p21"/>
                   <p:cNvPicPr preferRelativeResize="0"/>
                   <p:nvPr/>
                 </p:nvPicPr>
@@ -18305,7 +18320,7 @@
               </p:pic>
               <p:pic>
                 <p:nvPicPr>
-                  <p:cNvPr id="185" name="Google Shape;185;p21"/>
+                  <p:cNvPr id="186" name="Google Shape;186;p21"/>
                   <p:cNvPicPr preferRelativeResize="0"/>
                   <p:nvPr/>
                 </p:nvPicPr>
@@ -18333,7 +18348,7 @@
               </p:pic>
               <p:pic>
                 <p:nvPicPr>
-                  <p:cNvPr id="186" name="Google Shape;186;p21"/>
+                  <p:cNvPr id="187" name="Google Shape;187;p21"/>
                   <p:cNvPicPr preferRelativeResize="0"/>
                   <p:nvPr/>
                 </p:nvPicPr>
@@ -18361,7 +18376,7 @@
               </p:pic>
               <p:pic>
                 <p:nvPicPr>
-                  <p:cNvPr id="187" name="Google Shape;187;p21"/>
+                  <p:cNvPr id="188" name="Google Shape;188;p21"/>
                   <p:cNvPicPr preferRelativeResize="0"/>
                   <p:nvPr/>
                 </p:nvPicPr>
@@ -18389,7 +18404,7 @@
               </p:pic>
               <p:pic>
                 <p:nvPicPr>
-                  <p:cNvPr id="188" name="Google Shape;188;p21"/>
+                  <p:cNvPr id="189" name="Google Shape;189;p21"/>
                   <p:cNvPicPr preferRelativeResize="0"/>
                   <p:nvPr/>
                 </p:nvPicPr>
@@ -18418,7 +18433,7 @@
             </p:grpSp>
             <p:sp>
               <p:nvSpPr>
-                <p:cNvPr id="189" name="Google Shape;189;p21"/>
+                <p:cNvPr id="190" name="Google Shape;190;p21"/>
                 <p:cNvSpPr/>
                 <p:nvPr/>
               </p:nvSpPr>
@@ -18464,7 +18479,7 @@
             </p:sp>
             <p:sp>
               <p:nvSpPr>
-                <p:cNvPr id="190" name="Google Shape;190;p21"/>
+                <p:cNvPr id="191" name="Google Shape;191;p21"/>
                 <p:cNvSpPr/>
                 <p:nvPr/>
               </p:nvSpPr>
@@ -18511,7 +18526,7 @@
           </p:grpSp>
           <p:pic>
             <p:nvPicPr>
-              <p:cNvPr id="191" name="Google Shape;191;p21"/>
+              <p:cNvPr id="192" name="Google Shape;192;p21"/>
               <p:cNvPicPr preferRelativeResize="0"/>
               <p:nvPr/>
             </p:nvPicPr>
@@ -18539,7 +18554,7 @@
           </p:pic>
           <p:sp>
             <p:nvSpPr>
-              <p:cNvPr id="192" name="Google Shape;192;p21"/>
+              <p:cNvPr id="193" name="Google Shape;193;p21"/>
               <p:cNvSpPr txBox="1"/>
               <p:nvPr/>
             </p:nvSpPr>
@@ -18591,7 +18606,7 @@
           </p:sp>
           <p:sp>
             <p:nvSpPr>
-              <p:cNvPr id="193" name="Google Shape;193;p21"/>
+              <p:cNvPr id="194" name="Google Shape;194;p21"/>
               <p:cNvSpPr txBox="1"/>
               <p:nvPr/>
             </p:nvSpPr>
@@ -18643,7 +18658,7 @@
           </p:sp>
           <p:cxnSp>
             <p:nvCxnSpPr>
-              <p:cNvPr id="194" name="Google Shape;194;p21"/>
+              <p:cNvPr id="195" name="Google Shape;195;p21"/>
               <p:cNvCxnSpPr/>
               <p:nvPr/>
             </p:nvCxnSpPr>
@@ -18669,7 +18684,7 @@
           </p:cxnSp>
           <p:cxnSp>
             <p:nvCxnSpPr>
-              <p:cNvPr id="195" name="Google Shape;195;p21"/>
+              <p:cNvPr id="196" name="Google Shape;196;p21"/>
               <p:cNvCxnSpPr/>
               <p:nvPr/>
             </p:nvCxnSpPr>
